--- a/doc/00.总框架.pptx
+++ b/doc/00.总框架.pptx
@@ -272,7 +272,7 @@
           <a:p>
             <a:fld id="{1B7BBEA4-24BC-4F9A-BA49-26A596A24E96}" type="datetimeFigureOut">
               <a:rPr lang="zh-CN" altLang="en-US" smtClean="0"/>
-              <a:t>2021/4/13</a:t>
+              <a:t>2021/4/17</a:t>
             </a:fld>
             <a:endParaRPr lang="zh-CN" altLang="en-US"/>
           </a:p>
@@ -470,7 +470,7 @@
           <a:p>
             <a:fld id="{1B7BBEA4-24BC-4F9A-BA49-26A596A24E96}" type="datetimeFigureOut">
               <a:rPr lang="zh-CN" altLang="en-US" smtClean="0"/>
-              <a:t>2021/4/13</a:t>
+              <a:t>2021/4/17</a:t>
             </a:fld>
             <a:endParaRPr lang="zh-CN" altLang="en-US"/>
           </a:p>
@@ -678,7 +678,7 @@
           <a:p>
             <a:fld id="{1B7BBEA4-24BC-4F9A-BA49-26A596A24E96}" type="datetimeFigureOut">
               <a:rPr lang="zh-CN" altLang="en-US" smtClean="0"/>
-              <a:t>2021/4/13</a:t>
+              <a:t>2021/4/17</a:t>
             </a:fld>
             <a:endParaRPr lang="zh-CN" altLang="en-US"/>
           </a:p>
@@ -876,7 +876,7 @@
           <a:p>
             <a:fld id="{1B7BBEA4-24BC-4F9A-BA49-26A596A24E96}" type="datetimeFigureOut">
               <a:rPr lang="zh-CN" altLang="en-US" smtClean="0"/>
-              <a:t>2021/4/13</a:t>
+              <a:t>2021/4/17</a:t>
             </a:fld>
             <a:endParaRPr lang="zh-CN" altLang="en-US"/>
           </a:p>
@@ -1151,7 +1151,7 @@
           <a:p>
             <a:fld id="{1B7BBEA4-24BC-4F9A-BA49-26A596A24E96}" type="datetimeFigureOut">
               <a:rPr lang="zh-CN" altLang="en-US" smtClean="0"/>
-              <a:t>2021/4/13</a:t>
+              <a:t>2021/4/17</a:t>
             </a:fld>
             <a:endParaRPr lang="zh-CN" altLang="en-US"/>
           </a:p>
@@ -1416,7 +1416,7 @@
           <a:p>
             <a:fld id="{1B7BBEA4-24BC-4F9A-BA49-26A596A24E96}" type="datetimeFigureOut">
               <a:rPr lang="zh-CN" altLang="en-US" smtClean="0"/>
-              <a:t>2021/4/13</a:t>
+              <a:t>2021/4/17</a:t>
             </a:fld>
             <a:endParaRPr lang="zh-CN" altLang="en-US"/>
           </a:p>
@@ -1828,7 +1828,7 @@
           <a:p>
             <a:fld id="{1B7BBEA4-24BC-4F9A-BA49-26A596A24E96}" type="datetimeFigureOut">
               <a:rPr lang="zh-CN" altLang="en-US" smtClean="0"/>
-              <a:t>2021/4/13</a:t>
+              <a:t>2021/4/17</a:t>
             </a:fld>
             <a:endParaRPr lang="zh-CN" altLang="en-US"/>
           </a:p>
@@ -1969,7 +1969,7 @@
           <a:p>
             <a:fld id="{1B7BBEA4-24BC-4F9A-BA49-26A596A24E96}" type="datetimeFigureOut">
               <a:rPr lang="zh-CN" altLang="en-US" smtClean="0"/>
-              <a:t>2021/4/13</a:t>
+              <a:t>2021/4/17</a:t>
             </a:fld>
             <a:endParaRPr lang="zh-CN" altLang="en-US"/>
           </a:p>
@@ -2082,7 +2082,7 @@
           <a:p>
             <a:fld id="{1B7BBEA4-24BC-4F9A-BA49-26A596A24E96}" type="datetimeFigureOut">
               <a:rPr lang="zh-CN" altLang="en-US" smtClean="0"/>
-              <a:t>2021/4/13</a:t>
+              <a:t>2021/4/17</a:t>
             </a:fld>
             <a:endParaRPr lang="zh-CN" altLang="en-US"/>
           </a:p>
@@ -2393,7 +2393,7 @@
           <a:p>
             <a:fld id="{1B7BBEA4-24BC-4F9A-BA49-26A596A24E96}" type="datetimeFigureOut">
               <a:rPr lang="zh-CN" altLang="en-US" smtClean="0"/>
-              <a:t>2021/4/13</a:t>
+              <a:t>2021/4/17</a:t>
             </a:fld>
             <a:endParaRPr lang="zh-CN" altLang="en-US"/>
           </a:p>
@@ -2681,7 +2681,7 @@
           <a:p>
             <a:fld id="{1B7BBEA4-24BC-4F9A-BA49-26A596A24E96}" type="datetimeFigureOut">
               <a:rPr lang="zh-CN" altLang="en-US" smtClean="0"/>
-              <a:t>2021/4/13</a:t>
+              <a:t>2021/4/17</a:t>
             </a:fld>
             <a:endParaRPr lang="zh-CN" altLang="en-US"/>
           </a:p>
@@ -2922,7 +2922,7 @@
           <a:p>
             <a:fld id="{1B7BBEA4-24BC-4F9A-BA49-26A596A24E96}" type="datetimeFigureOut">
               <a:rPr lang="zh-CN" altLang="en-US" smtClean="0"/>
-              <a:t>2021/4/13</a:t>
+              <a:t>2021/4/17</a:t>
             </a:fld>
             <a:endParaRPr lang="zh-CN" altLang="en-US"/>
           </a:p>
@@ -3602,7 +3602,7 @@
         </p:nvGrpSpPr>
         <p:grpSpPr>
           <a:xfrm>
-            <a:off x="1199043" y="4103376"/>
+            <a:off x="1199043" y="4174517"/>
             <a:ext cx="6634783" cy="369332"/>
             <a:chOff x="2259623" y="2182542"/>
             <a:chExt cx="6634783" cy="369332"/>
@@ -3687,11 +3687,11 @@
             <a:lstStyle/>
             <a:p>
               <a:r>
-                <a:rPr lang="zh-CN" altLang="en-US" b="1" dirty="0">
+                <a:rPr lang="zh-CN" altLang="en-US" b="1">
                   <a:latin typeface="Consolas" panose="020B0609020204030204" pitchFamily="49" charset="0"/>
                   <a:ea typeface="微软雅黑" panose="020B0503020204020204" pitchFamily="34" charset="-122"/>
                 </a:rPr>
-                <a:t>电子书</a:t>
+                <a:t>藏书阁</a:t>
               </a:r>
               <a:endParaRPr lang="zh-CN" altLang="en-US" dirty="0"/>
             </a:p>
@@ -3712,7 +3712,7 @@
         </p:nvGrpSpPr>
         <p:grpSpPr>
           <a:xfrm>
-            <a:off x="1199043" y="4571743"/>
+            <a:off x="1199043" y="4619170"/>
             <a:ext cx="6634783" cy="369332"/>
             <a:chOff x="2259623" y="2182542"/>
             <a:chExt cx="6634783" cy="369332"/>
@@ -3797,11 +3797,11 @@
             <a:lstStyle/>
             <a:p>
               <a:r>
-                <a:rPr lang="zh-CN" altLang="en-US" sz="1800" b="1" dirty="0">
+                <a:rPr lang="zh-CN" altLang="en-US" sz="1800" b="1">
                   <a:latin typeface="Consolas" panose="020B0609020204030204" pitchFamily="49" charset="0"/>
                   <a:ea typeface="微软雅黑" panose="020B0503020204020204" pitchFamily="34" charset="-122"/>
                 </a:rPr>
-                <a:t>善举</a:t>
+                <a:t>善举商城</a:t>
               </a:r>
               <a:endParaRPr lang="zh-CN" altLang="en-US" dirty="0"/>
             </a:p>
@@ -3822,7 +3822,7 @@
         </p:nvGrpSpPr>
         <p:grpSpPr>
           <a:xfrm>
-            <a:off x="1199043" y="5040110"/>
+            <a:off x="1199043" y="5063823"/>
             <a:ext cx="6634783" cy="369332"/>
             <a:chOff x="2259623" y="2182542"/>
             <a:chExt cx="6634783" cy="369332"/>
@@ -4017,11 +4017,11 @@
             <a:lstStyle/>
             <a:p>
               <a:r>
-                <a:rPr lang="zh-CN" altLang="en-US" sz="1800" b="1" dirty="0">
+                <a:rPr lang="zh-CN" altLang="en-US" sz="1800" b="1">
                   <a:latin typeface="Consolas" panose="020B0609020204030204" pitchFamily="49" charset="0"/>
                   <a:ea typeface="微软雅黑" panose="020B0503020204020204" pitchFamily="34" charset="-122"/>
                 </a:rPr>
-                <a:t>场外</a:t>
+                <a:t>场外交易</a:t>
               </a:r>
               <a:endParaRPr lang="zh-CN" altLang="en-US" dirty="0"/>
             </a:p>
@@ -4152,7 +4152,7 @@
         </p:nvGrpSpPr>
         <p:grpSpPr>
           <a:xfrm>
-            <a:off x="1199043" y="1548091"/>
+            <a:off x="1199043" y="1585931"/>
             <a:ext cx="6634783" cy="369332"/>
             <a:chOff x="2259623" y="2182542"/>
             <a:chExt cx="6634783" cy="369332"/>
@@ -4237,11 +4237,11 @@
             <a:lstStyle/>
             <a:p>
               <a:r>
-                <a:rPr lang="zh-CN" altLang="en-US" b="1" dirty="0">
+                <a:rPr lang="zh-CN" altLang="en-US" b="1">
                   <a:latin typeface="Consolas" panose="020B0609020204030204" pitchFamily="49" charset="0"/>
                   <a:ea typeface="微软雅黑" panose="020B0503020204020204" pitchFamily="34" charset="-122"/>
                 </a:rPr>
-                <a:t>角色</a:t>
+                <a:t>身份</a:t>
               </a:r>
               <a:endParaRPr lang="zh-CN" altLang="en-US" dirty="0"/>
             </a:p>
@@ -4262,7 +4262,7 @@
         </p:nvGrpSpPr>
         <p:grpSpPr>
           <a:xfrm>
-            <a:off x="1199043" y="3317940"/>
+            <a:off x="1199043" y="3729864"/>
             <a:ext cx="6634783" cy="369332"/>
             <a:chOff x="2259623" y="2182542"/>
             <a:chExt cx="6634783" cy="369332"/>
@@ -4347,11 +4347,11 @@
             <a:lstStyle/>
             <a:p>
               <a:r>
-                <a:rPr lang="zh-CN" altLang="en-US" b="1" dirty="0">
+                <a:rPr lang="zh-CN" altLang="en-US" b="1">
                   <a:latin typeface="Consolas" panose="020B0609020204030204" pitchFamily="49" charset="0"/>
                   <a:ea typeface="微软雅黑" panose="020B0503020204020204" pitchFamily="34" charset="-122"/>
                 </a:rPr>
-                <a:t>音频</a:t>
+                <a:t>梵音</a:t>
               </a:r>
               <a:endParaRPr lang="zh-CN" altLang="en-US" dirty="0"/>
             </a:p>
@@ -4372,7 +4372,7 @@
         </p:nvGrpSpPr>
         <p:grpSpPr>
           <a:xfrm>
-            <a:off x="1199043" y="2893329"/>
+            <a:off x="1199043" y="3285211"/>
             <a:ext cx="6634783" cy="369332"/>
             <a:chOff x="2259623" y="2182542"/>
             <a:chExt cx="6634783" cy="369332"/>
@@ -4457,11 +4457,11 @@
             <a:lstStyle/>
             <a:p>
               <a:r>
-                <a:rPr lang="zh-CN" altLang="en-US" b="1" dirty="0">
+                <a:rPr lang="zh-CN" altLang="en-US" b="1">
                   <a:latin typeface="Consolas" panose="020B0609020204030204" pitchFamily="49" charset="0"/>
                   <a:ea typeface="微软雅黑" panose="020B0503020204020204" pitchFamily="34" charset="-122"/>
                 </a:rPr>
-                <a:t>视频</a:t>
+                <a:t>直播</a:t>
               </a:r>
               <a:endParaRPr lang="zh-CN" altLang="en-US" dirty="0"/>
             </a:p>
@@ -4741,556 +4741,6 @@
                   <a:ea typeface="微软雅黑" panose="020B0503020204020204" pitchFamily="34" charset="-122"/>
                 </a:rPr>
                 <a:t>基金会合约负责管理其他合约</a:t>
-              </a:r>
-              <a:endParaRPr lang="zh-CN" altLang="en-US" dirty="0"/>
-            </a:p>
-          </p:txBody>
-        </p:sp>
-      </p:grpSp>
-      <p:grpSp>
-        <p:nvGrpSpPr>
-          <p:cNvPr id="8" name="组合 7">
-            <a:extLst>
-              <a:ext uri="{FF2B5EF4-FFF2-40B4-BE49-F238E27FC236}">
-                <a16:creationId xmlns:a16="http://schemas.microsoft.com/office/drawing/2014/main" id="{68C65E6B-D846-484F-823F-52D740DB91DF}"/>
-              </a:ext>
-            </a:extLst>
-          </p:cNvPr>
-          <p:cNvGrpSpPr/>
-          <p:nvPr/>
-        </p:nvGrpSpPr>
-        <p:grpSpPr>
-          <a:xfrm>
-            <a:off x="872474" y="4103376"/>
-            <a:ext cx="10257229" cy="369332"/>
-            <a:chOff x="872474" y="4103376"/>
-            <a:chExt cx="10257229" cy="369332"/>
-          </a:xfrm>
-        </p:grpSpPr>
-        <p:sp>
-          <p:nvSpPr>
-            <p:cNvPr id="13" name="箭头: V 形 12">
-              <a:extLst>
-                <a:ext uri="{FF2B5EF4-FFF2-40B4-BE49-F238E27FC236}">
-                  <a16:creationId xmlns:a16="http://schemas.microsoft.com/office/drawing/2014/main" id="{E243B93E-F170-4FA6-A7C0-6CA2D22B8323}"/>
-                </a:ext>
-              </a:extLst>
-            </p:cNvPr>
-            <p:cNvSpPr/>
-            <p:nvPr/>
-          </p:nvSpPr>
-          <p:spPr>
-            <a:xfrm>
-              <a:off x="872474" y="4198042"/>
-              <a:ext cx="324000" cy="180000"/>
-            </a:xfrm>
-            <a:prstGeom prst="chevron">
-              <a:avLst/>
-            </a:prstGeom>
-          </p:spPr>
-          <p:style>
-            <a:lnRef idx="2">
-              <a:schemeClr val="accent1">
-                <a:shade val="50000"/>
-              </a:schemeClr>
-            </a:lnRef>
-            <a:fillRef idx="1">
-              <a:schemeClr val="accent1"/>
-            </a:fillRef>
-            <a:effectRef idx="0">
-              <a:schemeClr val="accent1"/>
-            </a:effectRef>
-            <a:fontRef idx="minor">
-              <a:schemeClr val="lt1"/>
-            </a:fontRef>
-          </p:style>
-          <p:txBody>
-            <a:bodyPr rtlCol="0" anchor="ctr"/>
-            <a:lstStyle/>
-            <a:p>
-              <a:pPr algn="ctr"/>
-              <a:endParaRPr lang="zh-CN" altLang="en-US">
-                <a:solidFill>
-                  <a:schemeClr val="tx1"/>
-                </a:solidFill>
-              </a:endParaRPr>
-            </a:p>
-          </p:txBody>
-        </p:sp>
-        <p:sp>
-          <p:nvSpPr>
-            <p:cNvPr id="14" name="文本框 13">
-              <a:extLst>
-                <a:ext uri="{FF2B5EF4-FFF2-40B4-BE49-F238E27FC236}">
-                  <a16:creationId xmlns:a16="http://schemas.microsoft.com/office/drawing/2014/main" id="{D92C701C-0A6D-4723-A9CC-1CD1ABB3AFF5}"/>
-                </a:ext>
-              </a:extLst>
-            </p:cNvPr>
-            <p:cNvSpPr txBox="1"/>
-            <p:nvPr/>
-          </p:nvSpPr>
-          <p:spPr>
-            <a:xfrm>
-              <a:off x="1409703" y="4103376"/>
-              <a:ext cx="9720000" cy="369332"/>
-            </a:xfrm>
-            <a:prstGeom prst="rect">
-              <a:avLst/>
-            </a:prstGeom>
-            <a:noFill/>
-          </p:spPr>
-          <p:txBody>
-            <a:bodyPr wrap="square">
-              <a:spAutoFit/>
-            </a:bodyPr>
-            <a:lstStyle/>
-            <a:p>
-              <a:r>
-                <a:rPr lang="zh-CN" altLang="en-US" b="1" dirty="0">
-                  <a:latin typeface="Consolas" panose="020B0609020204030204" pitchFamily="49" charset="0"/>
-                  <a:ea typeface="微软雅黑" panose="020B0503020204020204" pitchFamily="34" charset="-122"/>
-                </a:rPr>
-                <a:t>电子书</a:t>
-              </a:r>
-              <a:endParaRPr lang="zh-CN" altLang="en-US" dirty="0"/>
-            </a:p>
-          </p:txBody>
-        </p:sp>
-      </p:grpSp>
-      <p:grpSp>
-        <p:nvGrpSpPr>
-          <p:cNvPr id="46" name="组合 45">
-            <a:extLst>
-              <a:ext uri="{FF2B5EF4-FFF2-40B4-BE49-F238E27FC236}">
-                <a16:creationId xmlns:a16="http://schemas.microsoft.com/office/drawing/2014/main" id="{7846397A-4122-4EF1-9766-F7A64C191196}"/>
-              </a:ext>
-            </a:extLst>
-          </p:cNvPr>
-          <p:cNvGrpSpPr/>
-          <p:nvPr/>
-        </p:nvGrpSpPr>
-        <p:grpSpPr>
-          <a:xfrm>
-            <a:off x="872474" y="4571743"/>
-            <a:ext cx="10257229" cy="369332"/>
-            <a:chOff x="872474" y="4571743"/>
-            <a:chExt cx="10257229" cy="369332"/>
-          </a:xfrm>
-        </p:grpSpPr>
-        <p:sp>
-          <p:nvSpPr>
-            <p:cNvPr id="16" name="箭头: V 形 15">
-              <a:extLst>
-                <a:ext uri="{FF2B5EF4-FFF2-40B4-BE49-F238E27FC236}">
-                  <a16:creationId xmlns:a16="http://schemas.microsoft.com/office/drawing/2014/main" id="{E567C5DF-59FE-44CB-B52D-AEDB90AAD716}"/>
-                </a:ext>
-              </a:extLst>
-            </p:cNvPr>
-            <p:cNvSpPr/>
-            <p:nvPr/>
-          </p:nvSpPr>
-          <p:spPr>
-            <a:xfrm>
-              <a:off x="872474" y="4666409"/>
-              <a:ext cx="324000" cy="180000"/>
-            </a:xfrm>
-            <a:prstGeom prst="chevron">
-              <a:avLst/>
-            </a:prstGeom>
-          </p:spPr>
-          <p:style>
-            <a:lnRef idx="2">
-              <a:schemeClr val="accent1">
-                <a:shade val="50000"/>
-              </a:schemeClr>
-            </a:lnRef>
-            <a:fillRef idx="1">
-              <a:schemeClr val="accent1"/>
-            </a:fillRef>
-            <a:effectRef idx="0">
-              <a:schemeClr val="accent1"/>
-            </a:effectRef>
-            <a:fontRef idx="minor">
-              <a:schemeClr val="lt1"/>
-            </a:fontRef>
-          </p:style>
-          <p:txBody>
-            <a:bodyPr rtlCol="0" anchor="ctr"/>
-            <a:lstStyle/>
-            <a:p>
-              <a:pPr algn="ctr"/>
-              <a:endParaRPr lang="zh-CN" altLang="en-US">
-                <a:solidFill>
-                  <a:schemeClr val="tx1"/>
-                </a:solidFill>
-              </a:endParaRPr>
-            </a:p>
-          </p:txBody>
-        </p:sp>
-        <p:sp>
-          <p:nvSpPr>
-            <p:cNvPr id="17" name="文本框 16">
-              <a:extLst>
-                <a:ext uri="{FF2B5EF4-FFF2-40B4-BE49-F238E27FC236}">
-                  <a16:creationId xmlns:a16="http://schemas.microsoft.com/office/drawing/2014/main" id="{9F88EB3E-D6B7-4242-BA17-2EAF6BBB55A8}"/>
-                </a:ext>
-              </a:extLst>
-            </p:cNvPr>
-            <p:cNvSpPr txBox="1"/>
-            <p:nvPr/>
-          </p:nvSpPr>
-          <p:spPr>
-            <a:xfrm>
-              <a:off x="1409703" y="4571743"/>
-              <a:ext cx="9720000" cy="369332"/>
-            </a:xfrm>
-            <a:prstGeom prst="rect">
-              <a:avLst/>
-            </a:prstGeom>
-            <a:noFill/>
-          </p:spPr>
-          <p:txBody>
-            <a:bodyPr wrap="square">
-              <a:spAutoFit/>
-            </a:bodyPr>
-            <a:lstStyle/>
-            <a:p>
-              <a:r>
-                <a:rPr lang="zh-CN" altLang="en-US" sz="1800" b="1" dirty="0">
-                  <a:latin typeface="Consolas" panose="020B0609020204030204" pitchFamily="49" charset="0"/>
-                  <a:ea typeface="微软雅黑" panose="020B0503020204020204" pitchFamily="34" charset="-122"/>
-                </a:rPr>
-                <a:t>善举</a:t>
-              </a:r>
-              <a:endParaRPr lang="zh-CN" altLang="en-US" dirty="0"/>
-            </a:p>
-          </p:txBody>
-        </p:sp>
-      </p:grpSp>
-      <p:grpSp>
-        <p:nvGrpSpPr>
-          <p:cNvPr id="47" name="组合 46">
-            <a:extLst>
-              <a:ext uri="{FF2B5EF4-FFF2-40B4-BE49-F238E27FC236}">
-                <a16:creationId xmlns:a16="http://schemas.microsoft.com/office/drawing/2014/main" id="{9D3FC8FB-FADB-48AE-9273-BC9650B420FF}"/>
-              </a:ext>
-            </a:extLst>
-          </p:cNvPr>
-          <p:cNvGrpSpPr/>
-          <p:nvPr/>
-        </p:nvGrpSpPr>
-        <p:grpSpPr>
-          <a:xfrm>
-            <a:off x="872474" y="5040110"/>
-            <a:ext cx="10257229" cy="369332"/>
-            <a:chOff x="872474" y="5040110"/>
-            <a:chExt cx="10257229" cy="369332"/>
-          </a:xfrm>
-        </p:grpSpPr>
-        <p:sp>
-          <p:nvSpPr>
-            <p:cNvPr id="19" name="箭头: V 形 18">
-              <a:extLst>
-                <a:ext uri="{FF2B5EF4-FFF2-40B4-BE49-F238E27FC236}">
-                  <a16:creationId xmlns:a16="http://schemas.microsoft.com/office/drawing/2014/main" id="{2147B688-40DB-4B4B-ABCC-5A968D6E97B0}"/>
-                </a:ext>
-              </a:extLst>
-            </p:cNvPr>
-            <p:cNvSpPr/>
-            <p:nvPr/>
-          </p:nvSpPr>
-          <p:spPr>
-            <a:xfrm>
-              <a:off x="872474" y="5134776"/>
-              <a:ext cx="324000" cy="180000"/>
-            </a:xfrm>
-            <a:prstGeom prst="chevron">
-              <a:avLst/>
-            </a:prstGeom>
-          </p:spPr>
-          <p:style>
-            <a:lnRef idx="2">
-              <a:schemeClr val="accent1">
-                <a:shade val="50000"/>
-              </a:schemeClr>
-            </a:lnRef>
-            <a:fillRef idx="1">
-              <a:schemeClr val="accent1"/>
-            </a:fillRef>
-            <a:effectRef idx="0">
-              <a:schemeClr val="accent1"/>
-            </a:effectRef>
-            <a:fontRef idx="minor">
-              <a:schemeClr val="lt1"/>
-            </a:fontRef>
-          </p:style>
-          <p:txBody>
-            <a:bodyPr rtlCol="0" anchor="ctr"/>
-            <a:lstStyle/>
-            <a:p>
-              <a:pPr algn="ctr"/>
-              <a:endParaRPr lang="zh-CN" altLang="en-US">
-                <a:solidFill>
-                  <a:schemeClr val="tx1"/>
-                </a:solidFill>
-              </a:endParaRPr>
-            </a:p>
-          </p:txBody>
-        </p:sp>
-        <p:sp>
-          <p:nvSpPr>
-            <p:cNvPr id="20" name="文本框 19">
-              <a:extLst>
-                <a:ext uri="{FF2B5EF4-FFF2-40B4-BE49-F238E27FC236}">
-                  <a16:creationId xmlns:a16="http://schemas.microsoft.com/office/drawing/2014/main" id="{1F482E75-BC0D-4CA1-B7A9-56FAF2C47B14}"/>
-                </a:ext>
-              </a:extLst>
-            </p:cNvPr>
-            <p:cNvSpPr txBox="1"/>
-            <p:nvPr/>
-          </p:nvSpPr>
-          <p:spPr>
-            <a:xfrm>
-              <a:off x="1409703" y="5040110"/>
-              <a:ext cx="9720000" cy="369332"/>
-            </a:xfrm>
-            <a:prstGeom prst="rect">
-              <a:avLst/>
-            </a:prstGeom>
-            <a:noFill/>
-          </p:spPr>
-          <p:txBody>
-            <a:bodyPr wrap="square">
-              <a:spAutoFit/>
-            </a:bodyPr>
-            <a:lstStyle/>
-            <a:p>
-              <a:r>
-                <a:rPr lang="zh-CN" altLang="en-US" sz="1800" b="1" dirty="0">
-                  <a:latin typeface="Consolas" panose="020B0609020204030204" pitchFamily="49" charset="0"/>
-                  <a:ea typeface="微软雅黑" panose="020B0503020204020204" pitchFamily="34" charset="-122"/>
-                </a:rPr>
-                <a:t>祭奠堂</a:t>
-              </a:r>
-              <a:endParaRPr lang="zh-CN" altLang="en-US" dirty="0"/>
-            </a:p>
-          </p:txBody>
-        </p:sp>
-      </p:grpSp>
-      <p:grpSp>
-        <p:nvGrpSpPr>
-          <p:cNvPr id="48" name="组合 47">
-            <a:extLst>
-              <a:ext uri="{FF2B5EF4-FFF2-40B4-BE49-F238E27FC236}">
-                <a16:creationId xmlns:a16="http://schemas.microsoft.com/office/drawing/2014/main" id="{E71CC298-06EE-44FB-8360-C372D753BAD4}"/>
-              </a:ext>
-            </a:extLst>
-          </p:cNvPr>
-          <p:cNvGrpSpPr/>
-          <p:nvPr/>
-        </p:nvGrpSpPr>
-        <p:grpSpPr>
-          <a:xfrm>
-            <a:off x="872474" y="5508477"/>
-            <a:ext cx="10257229" cy="369332"/>
-            <a:chOff x="872474" y="5508477"/>
-            <a:chExt cx="10257229" cy="369332"/>
-          </a:xfrm>
-        </p:grpSpPr>
-        <p:sp>
-          <p:nvSpPr>
-            <p:cNvPr id="22" name="箭头: V 形 21">
-              <a:extLst>
-                <a:ext uri="{FF2B5EF4-FFF2-40B4-BE49-F238E27FC236}">
-                  <a16:creationId xmlns:a16="http://schemas.microsoft.com/office/drawing/2014/main" id="{7A26A414-21D5-49DA-90FD-ABC19A49E4C2}"/>
-                </a:ext>
-              </a:extLst>
-            </p:cNvPr>
-            <p:cNvSpPr/>
-            <p:nvPr/>
-          </p:nvSpPr>
-          <p:spPr>
-            <a:xfrm>
-              <a:off x="872474" y="5603143"/>
-              <a:ext cx="324000" cy="180000"/>
-            </a:xfrm>
-            <a:prstGeom prst="chevron">
-              <a:avLst/>
-            </a:prstGeom>
-          </p:spPr>
-          <p:style>
-            <a:lnRef idx="2">
-              <a:schemeClr val="accent1">
-                <a:shade val="50000"/>
-              </a:schemeClr>
-            </a:lnRef>
-            <a:fillRef idx="1">
-              <a:schemeClr val="accent1"/>
-            </a:fillRef>
-            <a:effectRef idx="0">
-              <a:schemeClr val="accent1"/>
-            </a:effectRef>
-            <a:fontRef idx="minor">
-              <a:schemeClr val="lt1"/>
-            </a:fontRef>
-          </p:style>
-          <p:txBody>
-            <a:bodyPr rtlCol="0" anchor="ctr"/>
-            <a:lstStyle/>
-            <a:p>
-              <a:pPr algn="ctr"/>
-              <a:endParaRPr lang="zh-CN" altLang="en-US">
-                <a:solidFill>
-                  <a:schemeClr val="tx1"/>
-                </a:solidFill>
-              </a:endParaRPr>
-            </a:p>
-          </p:txBody>
-        </p:sp>
-        <p:sp>
-          <p:nvSpPr>
-            <p:cNvPr id="23" name="文本框 22">
-              <a:extLst>
-                <a:ext uri="{FF2B5EF4-FFF2-40B4-BE49-F238E27FC236}">
-                  <a16:creationId xmlns:a16="http://schemas.microsoft.com/office/drawing/2014/main" id="{C5412B85-D1DB-46D6-91C1-F9AEEE31531D}"/>
-                </a:ext>
-              </a:extLst>
-            </p:cNvPr>
-            <p:cNvSpPr txBox="1"/>
-            <p:nvPr/>
-          </p:nvSpPr>
-          <p:spPr>
-            <a:xfrm>
-              <a:off x="1409703" y="5508477"/>
-              <a:ext cx="9720000" cy="369332"/>
-            </a:xfrm>
-            <a:prstGeom prst="rect">
-              <a:avLst/>
-            </a:prstGeom>
-            <a:noFill/>
-          </p:spPr>
-          <p:txBody>
-            <a:bodyPr wrap="square">
-              <a:spAutoFit/>
-            </a:bodyPr>
-            <a:lstStyle/>
-            <a:p>
-              <a:r>
-                <a:rPr lang="zh-CN" altLang="en-US" sz="1800" b="1" dirty="0">
-                  <a:latin typeface="Consolas" panose="020B0609020204030204" pitchFamily="49" charset="0"/>
-                  <a:ea typeface="微软雅黑" panose="020B0503020204020204" pitchFamily="34" charset="-122"/>
-                </a:rPr>
-                <a:t>场外</a:t>
-              </a:r>
-              <a:endParaRPr lang="zh-CN" altLang="en-US" dirty="0"/>
-            </a:p>
-          </p:txBody>
-        </p:sp>
-      </p:grpSp>
-      <p:grpSp>
-        <p:nvGrpSpPr>
-          <p:cNvPr id="49" name="组合 48">
-            <a:extLst>
-              <a:ext uri="{FF2B5EF4-FFF2-40B4-BE49-F238E27FC236}">
-                <a16:creationId xmlns:a16="http://schemas.microsoft.com/office/drawing/2014/main" id="{2F8F1CC2-003E-4626-949F-E58081EBE79B}"/>
-              </a:ext>
-            </a:extLst>
-          </p:cNvPr>
-          <p:cNvGrpSpPr/>
-          <p:nvPr/>
-        </p:nvGrpSpPr>
-        <p:grpSpPr>
-          <a:xfrm>
-            <a:off x="872474" y="5976844"/>
-            <a:ext cx="10257229" cy="369332"/>
-            <a:chOff x="872474" y="5976844"/>
-            <a:chExt cx="10257229" cy="369332"/>
-          </a:xfrm>
-        </p:grpSpPr>
-        <p:sp>
-          <p:nvSpPr>
-            <p:cNvPr id="25" name="箭头: V 形 24">
-              <a:extLst>
-                <a:ext uri="{FF2B5EF4-FFF2-40B4-BE49-F238E27FC236}">
-                  <a16:creationId xmlns:a16="http://schemas.microsoft.com/office/drawing/2014/main" id="{FC510882-B5E3-46AE-9408-E7EE4A763664}"/>
-                </a:ext>
-              </a:extLst>
-            </p:cNvPr>
-            <p:cNvSpPr/>
-            <p:nvPr/>
-          </p:nvSpPr>
-          <p:spPr>
-            <a:xfrm>
-              <a:off x="872474" y="6071510"/>
-              <a:ext cx="324000" cy="180000"/>
-            </a:xfrm>
-            <a:prstGeom prst="chevron">
-              <a:avLst/>
-            </a:prstGeom>
-          </p:spPr>
-          <p:style>
-            <a:lnRef idx="2">
-              <a:schemeClr val="accent1">
-                <a:shade val="50000"/>
-              </a:schemeClr>
-            </a:lnRef>
-            <a:fillRef idx="1">
-              <a:schemeClr val="accent1"/>
-            </a:fillRef>
-            <a:effectRef idx="0">
-              <a:schemeClr val="accent1"/>
-            </a:effectRef>
-            <a:fontRef idx="minor">
-              <a:schemeClr val="lt1"/>
-            </a:fontRef>
-          </p:style>
-          <p:txBody>
-            <a:bodyPr rtlCol="0" anchor="ctr"/>
-            <a:lstStyle/>
-            <a:p>
-              <a:pPr algn="ctr"/>
-              <a:endParaRPr lang="zh-CN" altLang="en-US">
-                <a:solidFill>
-                  <a:schemeClr val="tx1"/>
-                </a:solidFill>
-              </a:endParaRPr>
-            </a:p>
-          </p:txBody>
-        </p:sp>
-        <p:sp>
-          <p:nvSpPr>
-            <p:cNvPr id="26" name="文本框 25">
-              <a:extLst>
-                <a:ext uri="{FF2B5EF4-FFF2-40B4-BE49-F238E27FC236}">
-                  <a16:creationId xmlns:a16="http://schemas.microsoft.com/office/drawing/2014/main" id="{6D6DF539-329A-4BF6-8E22-A9973F9F813B}"/>
-                </a:ext>
-              </a:extLst>
-            </p:cNvPr>
-            <p:cNvSpPr txBox="1"/>
-            <p:nvPr/>
-          </p:nvSpPr>
-          <p:spPr>
-            <a:xfrm>
-              <a:off x="1409703" y="5976844"/>
-              <a:ext cx="9720000" cy="369332"/>
-            </a:xfrm>
-            <a:prstGeom prst="rect">
-              <a:avLst/>
-            </a:prstGeom>
-            <a:noFill/>
-          </p:spPr>
-          <p:txBody>
-            <a:bodyPr wrap="square">
-              <a:spAutoFit/>
-            </a:bodyPr>
-            <a:lstStyle/>
-            <a:p>
-              <a:r>
-                <a:rPr lang="zh-CN" altLang="en-US" b="1" dirty="0">
-                  <a:latin typeface="Consolas" panose="020B0609020204030204" pitchFamily="49" charset="0"/>
-                  <a:ea typeface="微软雅黑" panose="020B0503020204020204" pitchFamily="34" charset="-122"/>
-                </a:rPr>
-                <a:t>平台商品</a:t>
               </a:r>
               <a:endParaRPr lang="zh-CN" altLang="en-US" dirty="0"/>
             </a:p>
@@ -5519,116 +4969,6 @@
       </p:grpSp>
       <p:grpSp>
         <p:nvGrpSpPr>
-          <p:cNvPr id="7" name="组合 6">
-            <a:extLst>
-              <a:ext uri="{FF2B5EF4-FFF2-40B4-BE49-F238E27FC236}">
-                <a16:creationId xmlns:a16="http://schemas.microsoft.com/office/drawing/2014/main" id="{23A7C998-1767-4434-A2B8-26D141CC081D}"/>
-              </a:ext>
-            </a:extLst>
-          </p:cNvPr>
-          <p:cNvGrpSpPr/>
-          <p:nvPr/>
-        </p:nvGrpSpPr>
-        <p:grpSpPr>
-          <a:xfrm>
-            <a:off x="872474" y="3317940"/>
-            <a:ext cx="10257229" cy="369332"/>
-            <a:chOff x="872474" y="3317940"/>
-            <a:chExt cx="10257229" cy="369332"/>
-          </a:xfrm>
-        </p:grpSpPr>
-        <p:sp>
-          <p:nvSpPr>
-            <p:cNvPr id="38" name="箭头: V 形 37">
-              <a:extLst>
-                <a:ext uri="{FF2B5EF4-FFF2-40B4-BE49-F238E27FC236}">
-                  <a16:creationId xmlns:a16="http://schemas.microsoft.com/office/drawing/2014/main" id="{8FB42E4D-4E45-4294-B1B7-512BE0E886E4}"/>
-                </a:ext>
-              </a:extLst>
-            </p:cNvPr>
-            <p:cNvSpPr/>
-            <p:nvPr/>
-          </p:nvSpPr>
-          <p:spPr>
-            <a:xfrm>
-              <a:off x="872474" y="3412606"/>
-              <a:ext cx="324000" cy="180000"/>
-            </a:xfrm>
-            <a:prstGeom prst="chevron">
-              <a:avLst/>
-            </a:prstGeom>
-          </p:spPr>
-          <p:style>
-            <a:lnRef idx="2">
-              <a:schemeClr val="accent1">
-                <a:shade val="50000"/>
-              </a:schemeClr>
-            </a:lnRef>
-            <a:fillRef idx="1">
-              <a:schemeClr val="accent1"/>
-            </a:fillRef>
-            <a:effectRef idx="0">
-              <a:schemeClr val="accent1"/>
-            </a:effectRef>
-            <a:fontRef idx="minor">
-              <a:schemeClr val="lt1"/>
-            </a:fontRef>
-          </p:style>
-          <p:txBody>
-            <a:bodyPr rtlCol="0" anchor="ctr"/>
-            <a:lstStyle/>
-            <a:p>
-              <a:pPr algn="ctr"/>
-              <a:endParaRPr lang="zh-CN" altLang="en-US">
-                <a:solidFill>
-                  <a:schemeClr val="tx1"/>
-                </a:solidFill>
-              </a:endParaRPr>
-            </a:p>
-          </p:txBody>
-        </p:sp>
-        <p:sp>
-          <p:nvSpPr>
-            <p:cNvPr id="39" name="文本框 38">
-              <a:extLst>
-                <a:ext uri="{FF2B5EF4-FFF2-40B4-BE49-F238E27FC236}">
-                  <a16:creationId xmlns:a16="http://schemas.microsoft.com/office/drawing/2014/main" id="{C1B81D1A-0C26-4FAB-96BD-DE9BEA76BA3F}"/>
-                </a:ext>
-              </a:extLst>
-            </p:cNvPr>
-            <p:cNvSpPr txBox="1"/>
-            <p:nvPr/>
-          </p:nvSpPr>
-          <p:spPr>
-            <a:xfrm>
-              <a:off x="1409703" y="3317940"/>
-              <a:ext cx="9720000" cy="369332"/>
-            </a:xfrm>
-            <a:prstGeom prst="rect">
-              <a:avLst/>
-            </a:prstGeom>
-            <a:noFill/>
-          </p:spPr>
-          <p:txBody>
-            <a:bodyPr wrap="square">
-              <a:spAutoFit/>
-            </a:bodyPr>
-            <a:lstStyle/>
-            <a:p>
-              <a:r>
-                <a:rPr lang="zh-CN" altLang="en-US" b="1" dirty="0">
-                  <a:latin typeface="Consolas" panose="020B0609020204030204" pitchFamily="49" charset="0"/>
-                  <a:ea typeface="微软雅黑" panose="020B0503020204020204" pitchFamily="34" charset="-122"/>
-                </a:rPr>
-                <a:t>音频</a:t>
-              </a:r>
-              <a:endParaRPr lang="zh-CN" altLang="en-US" dirty="0"/>
-            </a:p>
-          </p:txBody>
-        </p:sp>
-      </p:grpSp>
-      <p:grpSp>
-        <p:nvGrpSpPr>
           <p:cNvPr id="4" name="组合 3">
             <a:extLst>
               <a:ext uri="{FF2B5EF4-FFF2-40B4-BE49-F238E27FC236}">
@@ -5731,116 +5071,6 @@
                   <a:ea typeface="微软雅黑" panose="020B0503020204020204" pitchFamily="34" charset="-122"/>
                 </a:rPr>
                 <a:t>其他合约通过调用基金会合约，查询跟自己相关的合约管理选项</a:t>
-              </a:r>
-              <a:endParaRPr lang="zh-CN" altLang="en-US" dirty="0"/>
-            </a:p>
-          </p:txBody>
-        </p:sp>
-      </p:grpSp>
-      <p:grpSp>
-        <p:nvGrpSpPr>
-          <p:cNvPr id="6" name="组合 5">
-            <a:extLst>
-              <a:ext uri="{FF2B5EF4-FFF2-40B4-BE49-F238E27FC236}">
-                <a16:creationId xmlns:a16="http://schemas.microsoft.com/office/drawing/2014/main" id="{BCB84718-BB37-4912-B42F-39F1B2BF579D}"/>
-              </a:ext>
-            </a:extLst>
-          </p:cNvPr>
-          <p:cNvGrpSpPr/>
-          <p:nvPr/>
-        </p:nvGrpSpPr>
-        <p:grpSpPr>
-          <a:xfrm>
-            <a:off x="872474" y="2893329"/>
-            <a:ext cx="10257229" cy="369332"/>
-            <a:chOff x="872474" y="2893329"/>
-            <a:chExt cx="10257229" cy="369332"/>
-          </a:xfrm>
-        </p:grpSpPr>
-        <p:sp>
-          <p:nvSpPr>
-            <p:cNvPr id="44" name="箭头: V 形 43">
-              <a:extLst>
-                <a:ext uri="{FF2B5EF4-FFF2-40B4-BE49-F238E27FC236}">
-                  <a16:creationId xmlns:a16="http://schemas.microsoft.com/office/drawing/2014/main" id="{5FBCA0C2-FB24-4195-8C28-946A8E5F654B}"/>
-                </a:ext>
-              </a:extLst>
-            </p:cNvPr>
-            <p:cNvSpPr/>
-            <p:nvPr/>
-          </p:nvSpPr>
-          <p:spPr>
-            <a:xfrm>
-              <a:off x="872474" y="2987995"/>
-              <a:ext cx="324000" cy="180000"/>
-            </a:xfrm>
-            <a:prstGeom prst="chevron">
-              <a:avLst/>
-            </a:prstGeom>
-          </p:spPr>
-          <p:style>
-            <a:lnRef idx="2">
-              <a:schemeClr val="accent1">
-                <a:shade val="50000"/>
-              </a:schemeClr>
-            </a:lnRef>
-            <a:fillRef idx="1">
-              <a:schemeClr val="accent1"/>
-            </a:fillRef>
-            <a:effectRef idx="0">
-              <a:schemeClr val="accent1"/>
-            </a:effectRef>
-            <a:fontRef idx="minor">
-              <a:schemeClr val="lt1"/>
-            </a:fontRef>
-          </p:style>
-          <p:txBody>
-            <a:bodyPr rtlCol="0" anchor="ctr"/>
-            <a:lstStyle/>
-            <a:p>
-              <a:pPr algn="ctr"/>
-              <a:endParaRPr lang="zh-CN" altLang="en-US">
-                <a:solidFill>
-                  <a:schemeClr val="tx1"/>
-                </a:solidFill>
-              </a:endParaRPr>
-            </a:p>
-          </p:txBody>
-        </p:sp>
-        <p:sp>
-          <p:nvSpPr>
-            <p:cNvPr id="45" name="文本框 44">
-              <a:extLst>
-                <a:ext uri="{FF2B5EF4-FFF2-40B4-BE49-F238E27FC236}">
-                  <a16:creationId xmlns:a16="http://schemas.microsoft.com/office/drawing/2014/main" id="{5D122DC5-88FE-4288-8867-D9678B24797E}"/>
-                </a:ext>
-              </a:extLst>
-            </p:cNvPr>
-            <p:cNvSpPr txBox="1"/>
-            <p:nvPr/>
-          </p:nvSpPr>
-          <p:spPr>
-            <a:xfrm>
-              <a:off x="1409703" y="2893329"/>
-              <a:ext cx="9720000" cy="369332"/>
-            </a:xfrm>
-            <a:prstGeom prst="rect">
-              <a:avLst/>
-            </a:prstGeom>
-            <a:noFill/>
-          </p:spPr>
-          <p:txBody>
-            <a:bodyPr wrap="square">
-              <a:spAutoFit/>
-            </a:bodyPr>
-            <a:lstStyle/>
-            <a:p>
-              <a:r>
-                <a:rPr lang="zh-CN" altLang="en-US" b="1" dirty="0">
-                  <a:latin typeface="Consolas" panose="020B0609020204030204" pitchFamily="49" charset="0"/>
-                  <a:ea typeface="微软雅黑" panose="020B0503020204020204" pitchFamily="34" charset="-122"/>
-                </a:rPr>
-                <a:t>视频</a:t>
               </a:r>
               <a:endParaRPr lang="zh-CN" altLang="en-US" dirty="0"/>
             </a:p>
